--- a/CoverCDTitlePage/TitlePage.pptx
+++ b/CoverCDTitlePage/TitlePage.pptx
@@ -5,12 +5,10 @@
     <p:sldMasterId id="2147483648" r:id="rId1"/>
   </p:sldMasterIdLst>
   <p:notesMasterIdLst>
-    <p:notesMasterId r:id="rId5"/>
+    <p:notesMasterId r:id="rId3"/>
   </p:notesMasterIdLst>
   <p:sldIdLst>
     <p:sldId id="256" r:id="rId2"/>
-    <p:sldId id="258" r:id="rId3"/>
-    <p:sldId id="259" r:id="rId4"/>
   </p:sldIdLst>
   <p:sldSz cx="7561263" cy="10693400"/>
   <p:notesSz cx="6858000" cy="9144000"/>
@@ -139,6 +137,22 @@
       </a:defRPr>
     </a:lvl9pPr>
   </p:defaultTextStyle>
+  <p:extLst>
+    <p:ext uri="{EFAFB233-063F-42B5-8137-9DF3F51BA10A}">
+      <p15:sldGuideLst xmlns:p15="http://schemas.microsoft.com/office/powerpoint/2012/main">
+        <p15:guide id="1" orient="horz" pos="3368">
+          <p15:clr>
+            <a:srgbClr val="A4A3A4"/>
+          </p15:clr>
+        </p15:guide>
+        <p15:guide id="2" pos="2382">
+          <p15:clr>
+            <a:srgbClr val="A4A3A4"/>
+          </p15:clr>
+        </p15:guide>
+      </p15:sldGuideLst>
+    </p:ext>
+  </p:extLst>
 </p:presentation>
 </file>
 
@@ -251,7 +265,7 @@
               <a:pPr>
                 <a:defRPr/>
               </a:pPr>
-              <a:t>26-05-2013</a:t>
+              <a:t>13/12/2018</a:t>
             </a:fld>
             <a:endParaRPr lang="pt-PT"/>
           </a:p>
@@ -287,7 +301,7 @@
           <a:lstStyle/>
           <a:p>
             <a:pPr lvl="0"/>
-            <a:endParaRPr lang="pt-PT" noProof="0" smtClean="0"/>
+            <a:endParaRPr lang="pt-PT" noProof="0"/>
           </a:p>
         </p:txBody>
       </p:sp>
@@ -318,35 +332,35 @@
           <a:p>
             <a:pPr lvl="0"/>
             <a:r>
-              <a:rPr lang="pt-PT" noProof="0" smtClean="0"/>
+              <a:rPr lang="pt-PT" noProof="0"/>
               <a:t>Clique para editar os estilos</a:t>
             </a:r>
           </a:p>
           <a:p>
             <a:pPr lvl="1"/>
             <a:r>
-              <a:rPr lang="pt-PT" noProof="0" smtClean="0"/>
+              <a:rPr lang="pt-PT" noProof="0"/>
               <a:t>Segundo nível</a:t>
             </a:r>
           </a:p>
           <a:p>
             <a:pPr lvl="2"/>
             <a:r>
-              <a:rPr lang="pt-PT" noProof="0" smtClean="0"/>
+              <a:rPr lang="pt-PT" noProof="0"/>
               <a:t>Terceiro nível</a:t>
             </a:r>
           </a:p>
           <a:p>
             <a:pPr lvl="3"/>
             <a:r>
-              <a:rPr lang="pt-PT" noProof="0" smtClean="0"/>
+              <a:rPr lang="pt-PT" noProof="0"/>
               <a:t>Quarto nível</a:t>
             </a:r>
           </a:p>
           <a:p>
             <a:pPr lvl="4"/>
             <a:r>
-              <a:rPr lang="pt-PT" noProof="0" smtClean="0"/>
+              <a:rPr lang="pt-PT" noProof="0"/>
               <a:t>Quinto nível</a:t>
             </a:r>
           </a:p>
@@ -439,7 +453,7 @@
               <a:pPr>
                 <a:defRPr/>
               </a:pPr>
-              <a:t>‹nº›</a:t>
+              <a:t>‹#›</a:t>
             </a:fld>
             <a:endParaRPr lang="pt-PT"/>
           </a:p>
@@ -448,7 +462,7 @@
     </p:spTree>
     <p:extLst>
       <p:ext uri="{BB962C8B-B14F-4D97-AF65-F5344CB8AC3E}">
-        <p14:creationId xmlns:p14="http://schemas.microsoft.com/office/powerpoint/2010/main" xmlns="" val="1377564620"/>
+        <p14:creationId xmlns:p14="http://schemas.microsoft.com/office/powerpoint/2010/main" val="1377564620"/>
       </p:ext>
     </p:extLst>
   </p:cSld>
@@ -616,10 +630,9 @@
           <a:lstStyle/>
           <a:p>
             <a:r>
-              <a:rPr lang="pt-PT" smtClean="0"/>
+              <a:rPr lang="pt-PT"/>
               <a:t>Clique para editar o estilo</a:t>
             </a:r>
-            <a:endParaRPr lang="pt-PT"/>
           </a:p>
         </p:txBody>
       </p:sp>
@@ -735,10 +748,9 @@
           </a:lstStyle>
           <a:p>
             <a:r>
-              <a:rPr lang="pt-PT" smtClean="0"/>
+              <a:rPr lang="pt-PT"/>
               <a:t>Faça clique para editar o estilo</a:t>
             </a:r>
-            <a:endParaRPr lang="pt-PT"/>
           </a:p>
         </p:txBody>
       </p:sp>
@@ -769,7 +781,7 @@
               <a:pPr>
                 <a:defRPr/>
               </a:pPr>
-              <a:t>26-05-2013</a:t>
+              <a:t>13/12/2018</a:t>
             </a:fld>
             <a:endParaRPr lang="pt-PT"/>
           </a:p>
@@ -828,7 +840,7 @@
               <a:pPr>
                 <a:defRPr/>
               </a:pPr>
-              <a:t>‹nº›</a:t>
+              <a:t>‹#›</a:t>
             </a:fld>
             <a:endParaRPr lang="pt-PT"/>
           </a:p>
@@ -875,10 +887,9 @@
           <a:lstStyle/>
           <a:p>
             <a:r>
-              <a:rPr lang="pt-PT" smtClean="0"/>
+              <a:rPr lang="pt-PT"/>
               <a:t>Clique para editar o estilo</a:t>
             </a:r>
-            <a:endParaRPr lang="pt-PT"/>
           </a:p>
         </p:txBody>
       </p:sp>
@@ -899,38 +910,37 @@
           <a:p>
             <a:pPr lvl="0"/>
             <a:r>
-              <a:rPr lang="pt-PT" smtClean="0"/>
+              <a:rPr lang="pt-PT"/>
               <a:t>Clique para editar os estilos</a:t>
             </a:r>
           </a:p>
           <a:p>
             <a:pPr lvl="1"/>
             <a:r>
-              <a:rPr lang="pt-PT" smtClean="0"/>
+              <a:rPr lang="pt-PT"/>
               <a:t>Segundo nível</a:t>
             </a:r>
           </a:p>
           <a:p>
             <a:pPr lvl="2"/>
             <a:r>
-              <a:rPr lang="pt-PT" smtClean="0"/>
+              <a:rPr lang="pt-PT"/>
               <a:t>Terceiro nível</a:t>
             </a:r>
           </a:p>
           <a:p>
             <a:pPr lvl="3"/>
             <a:r>
-              <a:rPr lang="pt-PT" smtClean="0"/>
+              <a:rPr lang="pt-PT"/>
               <a:t>Quarto nível</a:t>
             </a:r>
           </a:p>
           <a:p>
             <a:pPr lvl="4"/>
             <a:r>
-              <a:rPr lang="pt-PT" smtClean="0"/>
+              <a:rPr lang="pt-PT"/>
               <a:t>Quinto nível</a:t>
             </a:r>
-            <a:endParaRPr lang="pt-PT"/>
           </a:p>
         </p:txBody>
       </p:sp>
@@ -961,7 +971,7 @@
               <a:pPr>
                 <a:defRPr/>
               </a:pPr>
-              <a:t>26-05-2013</a:t>
+              <a:t>13/12/2018</a:t>
             </a:fld>
             <a:endParaRPr lang="pt-PT"/>
           </a:p>
@@ -1020,7 +1030,7 @@
               <a:pPr>
                 <a:defRPr/>
               </a:pPr>
-              <a:t>‹nº›</a:t>
+              <a:t>‹#›</a:t>
             </a:fld>
             <a:endParaRPr lang="pt-PT"/>
           </a:p>
@@ -1072,10 +1082,9 @@
           <a:lstStyle/>
           <a:p>
             <a:r>
-              <a:rPr lang="pt-PT" smtClean="0"/>
+              <a:rPr lang="pt-PT"/>
               <a:t>Clique para editar o estilo</a:t>
             </a:r>
-            <a:endParaRPr lang="pt-PT"/>
           </a:p>
         </p:txBody>
       </p:sp>
@@ -1101,38 +1110,37 @@
           <a:p>
             <a:pPr lvl="0"/>
             <a:r>
-              <a:rPr lang="pt-PT" smtClean="0"/>
+              <a:rPr lang="pt-PT"/>
               <a:t>Clique para editar os estilos</a:t>
             </a:r>
           </a:p>
           <a:p>
             <a:pPr lvl="1"/>
             <a:r>
-              <a:rPr lang="pt-PT" smtClean="0"/>
+              <a:rPr lang="pt-PT"/>
               <a:t>Segundo nível</a:t>
             </a:r>
           </a:p>
           <a:p>
             <a:pPr lvl="2"/>
             <a:r>
-              <a:rPr lang="pt-PT" smtClean="0"/>
+              <a:rPr lang="pt-PT"/>
               <a:t>Terceiro nível</a:t>
             </a:r>
           </a:p>
           <a:p>
             <a:pPr lvl="3"/>
             <a:r>
-              <a:rPr lang="pt-PT" smtClean="0"/>
+              <a:rPr lang="pt-PT"/>
               <a:t>Quarto nível</a:t>
             </a:r>
           </a:p>
           <a:p>
             <a:pPr lvl="4"/>
             <a:r>
-              <a:rPr lang="pt-PT" smtClean="0"/>
+              <a:rPr lang="pt-PT"/>
               <a:t>Quinto nível</a:t>
             </a:r>
-            <a:endParaRPr lang="pt-PT"/>
           </a:p>
         </p:txBody>
       </p:sp>
@@ -1163,7 +1171,7 @@
               <a:pPr>
                 <a:defRPr/>
               </a:pPr>
-              <a:t>26-05-2013</a:t>
+              <a:t>13/12/2018</a:t>
             </a:fld>
             <a:endParaRPr lang="pt-PT"/>
           </a:p>
@@ -1222,7 +1230,7 @@
               <a:pPr>
                 <a:defRPr/>
               </a:pPr>
-              <a:t>‹nº›</a:t>
+              <a:t>‹#›</a:t>
             </a:fld>
             <a:endParaRPr lang="pt-PT"/>
           </a:p>
@@ -1269,10 +1277,9 @@
           <a:lstStyle/>
           <a:p>
             <a:r>
-              <a:rPr lang="pt-PT" smtClean="0"/>
+              <a:rPr lang="pt-PT"/>
               <a:t>Clique para editar o estilo</a:t>
             </a:r>
-            <a:endParaRPr lang="pt-PT"/>
           </a:p>
         </p:txBody>
       </p:sp>
@@ -1293,38 +1300,37 @@
           <a:p>
             <a:pPr lvl="0"/>
             <a:r>
-              <a:rPr lang="pt-PT" smtClean="0"/>
+              <a:rPr lang="pt-PT"/>
               <a:t>Clique para editar os estilos</a:t>
             </a:r>
           </a:p>
           <a:p>
             <a:pPr lvl="1"/>
             <a:r>
-              <a:rPr lang="pt-PT" smtClean="0"/>
+              <a:rPr lang="pt-PT"/>
               <a:t>Segundo nível</a:t>
             </a:r>
           </a:p>
           <a:p>
             <a:pPr lvl="2"/>
             <a:r>
-              <a:rPr lang="pt-PT" smtClean="0"/>
+              <a:rPr lang="pt-PT"/>
               <a:t>Terceiro nível</a:t>
             </a:r>
           </a:p>
           <a:p>
             <a:pPr lvl="3"/>
             <a:r>
-              <a:rPr lang="pt-PT" smtClean="0"/>
+              <a:rPr lang="pt-PT"/>
               <a:t>Quarto nível</a:t>
             </a:r>
           </a:p>
           <a:p>
             <a:pPr lvl="4"/>
             <a:r>
-              <a:rPr lang="pt-PT" smtClean="0"/>
+              <a:rPr lang="pt-PT"/>
               <a:t>Quinto nível</a:t>
             </a:r>
-            <a:endParaRPr lang="pt-PT"/>
           </a:p>
         </p:txBody>
       </p:sp>
@@ -1355,7 +1361,7 @@
               <a:pPr>
                 <a:defRPr/>
               </a:pPr>
-              <a:t>26-05-2013</a:t>
+              <a:t>13/12/2018</a:t>
             </a:fld>
             <a:endParaRPr lang="pt-PT"/>
           </a:p>
@@ -1414,7 +1420,7 @@
               <a:pPr>
                 <a:defRPr/>
               </a:pPr>
-              <a:t>‹nº›</a:t>
+              <a:t>‹#›</a:t>
             </a:fld>
             <a:endParaRPr lang="pt-PT"/>
           </a:p>
@@ -1470,10 +1476,9 @@
           </a:lstStyle>
           <a:p>
             <a:r>
-              <a:rPr lang="pt-PT" smtClean="0"/>
+              <a:rPr lang="pt-PT"/>
               <a:t>Clique para editar o estilo</a:t>
             </a:r>
-            <a:endParaRPr lang="pt-PT"/>
           </a:p>
         </p:txBody>
       </p:sp>
@@ -1590,7 +1595,7 @@
           <a:p>
             <a:pPr lvl="0"/>
             <a:r>
-              <a:rPr lang="pt-PT" smtClean="0"/>
+              <a:rPr lang="pt-PT"/>
               <a:t>Clique para editar os estilos</a:t>
             </a:r>
           </a:p>
@@ -1623,7 +1628,7 @@
               <a:pPr>
                 <a:defRPr/>
               </a:pPr>
-              <a:t>26-05-2013</a:t>
+              <a:t>13/12/2018</a:t>
             </a:fld>
             <a:endParaRPr lang="pt-PT"/>
           </a:p>
@@ -1682,7 +1687,7 @@
               <a:pPr>
                 <a:defRPr/>
               </a:pPr>
-              <a:t>‹nº›</a:t>
+              <a:t>‹#›</a:t>
             </a:fld>
             <a:endParaRPr lang="pt-PT"/>
           </a:p>
@@ -1729,10 +1734,9 @@
           <a:lstStyle/>
           <a:p>
             <a:r>
-              <a:rPr lang="pt-PT" smtClean="0"/>
+              <a:rPr lang="pt-PT"/>
               <a:t>Clique para editar o estilo</a:t>
             </a:r>
-            <a:endParaRPr lang="pt-PT"/>
           </a:p>
         </p:txBody>
       </p:sp>
@@ -1786,38 +1790,37 @@
           <a:p>
             <a:pPr lvl="0"/>
             <a:r>
-              <a:rPr lang="pt-PT" smtClean="0"/>
+              <a:rPr lang="pt-PT"/>
               <a:t>Clique para editar os estilos</a:t>
             </a:r>
           </a:p>
           <a:p>
             <a:pPr lvl="1"/>
             <a:r>
-              <a:rPr lang="pt-PT" smtClean="0"/>
+              <a:rPr lang="pt-PT"/>
               <a:t>Segundo nível</a:t>
             </a:r>
           </a:p>
           <a:p>
             <a:pPr lvl="2"/>
             <a:r>
-              <a:rPr lang="pt-PT" smtClean="0"/>
+              <a:rPr lang="pt-PT"/>
               <a:t>Terceiro nível</a:t>
             </a:r>
           </a:p>
           <a:p>
             <a:pPr lvl="3"/>
             <a:r>
-              <a:rPr lang="pt-PT" smtClean="0"/>
+              <a:rPr lang="pt-PT"/>
               <a:t>Quarto nível</a:t>
             </a:r>
           </a:p>
           <a:p>
             <a:pPr lvl="4"/>
             <a:r>
-              <a:rPr lang="pt-PT" smtClean="0"/>
+              <a:rPr lang="pt-PT"/>
               <a:t>Quinto nível</a:t>
             </a:r>
-            <a:endParaRPr lang="pt-PT"/>
           </a:p>
         </p:txBody>
       </p:sp>
@@ -1871,38 +1874,37 @@
           <a:p>
             <a:pPr lvl="0"/>
             <a:r>
-              <a:rPr lang="pt-PT" smtClean="0"/>
+              <a:rPr lang="pt-PT"/>
               <a:t>Clique para editar os estilos</a:t>
             </a:r>
           </a:p>
           <a:p>
             <a:pPr lvl="1"/>
             <a:r>
-              <a:rPr lang="pt-PT" smtClean="0"/>
+              <a:rPr lang="pt-PT"/>
               <a:t>Segundo nível</a:t>
             </a:r>
           </a:p>
           <a:p>
             <a:pPr lvl="2"/>
             <a:r>
-              <a:rPr lang="pt-PT" smtClean="0"/>
+              <a:rPr lang="pt-PT"/>
               <a:t>Terceiro nível</a:t>
             </a:r>
           </a:p>
           <a:p>
             <a:pPr lvl="3"/>
             <a:r>
-              <a:rPr lang="pt-PT" smtClean="0"/>
+              <a:rPr lang="pt-PT"/>
               <a:t>Quarto nível</a:t>
             </a:r>
           </a:p>
           <a:p>
             <a:pPr lvl="4"/>
             <a:r>
-              <a:rPr lang="pt-PT" smtClean="0"/>
+              <a:rPr lang="pt-PT"/>
               <a:t>Quinto nível</a:t>
             </a:r>
-            <a:endParaRPr lang="pt-PT"/>
           </a:p>
         </p:txBody>
       </p:sp>
@@ -1933,7 +1935,7 @@
               <a:pPr>
                 <a:defRPr/>
               </a:pPr>
-              <a:t>26-05-2013</a:t>
+              <a:t>13/12/2018</a:t>
             </a:fld>
             <a:endParaRPr lang="pt-PT"/>
           </a:p>
@@ -1992,7 +1994,7 @@
               <a:pPr>
                 <a:defRPr/>
               </a:pPr>
-              <a:t>‹nº›</a:t>
+              <a:t>‹#›</a:t>
             </a:fld>
             <a:endParaRPr lang="pt-PT"/>
           </a:p>
@@ -2048,10 +2050,9 @@
           </a:lstStyle>
           <a:p>
             <a:r>
-              <a:rPr lang="pt-PT" smtClean="0"/>
+              <a:rPr lang="pt-PT"/>
               <a:t>Clique para editar o estilo</a:t>
             </a:r>
-            <a:endParaRPr lang="pt-PT"/>
           </a:p>
         </p:txBody>
       </p:sp>
@@ -2114,7 +2115,7 @@
           <a:p>
             <a:pPr lvl="0"/>
             <a:r>
-              <a:rPr lang="pt-PT" smtClean="0"/>
+              <a:rPr lang="pt-PT"/>
               <a:t>Clique para editar os estilos</a:t>
             </a:r>
           </a:p>
@@ -2170,38 +2171,37 @@
           <a:p>
             <a:pPr lvl="0"/>
             <a:r>
-              <a:rPr lang="pt-PT" smtClean="0"/>
+              <a:rPr lang="pt-PT"/>
               <a:t>Clique para editar os estilos</a:t>
             </a:r>
           </a:p>
           <a:p>
             <a:pPr lvl="1"/>
             <a:r>
-              <a:rPr lang="pt-PT" smtClean="0"/>
+              <a:rPr lang="pt-PT"/>
               <a:t>Segundo nível</a:t>
             </a:r>
           </a:p>
           <a:p>
             <a:pPr lvl="2"/>
             <a:r>
-              <a:rPr lang="pt-PT" smtClean="0"/>
+              <a:rPr lang="pt-PT"/>
               <a:t>Terceiro nível</a:t>
             </a:r>
           </a:p>
           <a:p>
             <a:pPr lvl="3"/>
             <a:r>
-              <a:rPr lang="pt-PT" smtClean="0"/>
+              <a:rPr lang="pt-PT"/>
               <a:t>Quarto nível</a:t>
             </a:r>
           </a:p>
           <a:p>
             <a:pPr lvl="4"/>
             <a:r>
-              <a:rPr lang="pt-PT" smtClean="0"/>
+              <a:rPr lang="pt-PT"/>
               <a:t>Quinto nível</a:t>
             </a:r>
-            <a:endParaRPr lang="pt-PT"/>
           </a:p>
         </p:txBody>
       </p:sp>
@@ -2264,7 +2264,7 @@
           <a:p>
             <a:pPr lvl="0"/>
             <a:r>
-              <a:rPr lang="pt-PT" smtClean="0"/>
+              <a:rPr lang="pt-PT"/>
               <a:t>Clique para editar os estilos</a:t>
             </a:r>
           </a:p>
@@ -2320,38 +2320,37 @@
           <a:p>
             <a:pPr lvl="0"/>
             <a:r>
-              <a:rPr lang="pt-PT" smtClean="0"/>
+              <a:rPr lang="pt-PT"/>
               <a:t>Clique para editar os estilos</a:t>
             </a:r>
           </a:p>
           <a:p>
             <a:pPr lvl="1"/>
             <a:r>
-              <a:rPr lang="pt-PT" smtClean="0"/>
+              <a:rPr lang="pt-PT"/>
               <a:t>Segundo nível</a:t>
             </a:r>
           </a:p>
           <a:p>
             <a:pPr lvl="2"/>
             <a:r>
-              <a:rPr lang="pt-PT" smtClean="0"/>
+              <a:rPr lang="pt-PT"/>
               <a:t>Terceiro nível</a:t>
             </a:r>
           </a:p>
           <a:p>
             <a:pPr lvl="3"/>
             <a:r>
-              <a:rPr lang="pt-PT" smtClean="0"/>
+              <a:rPr lang="pt-PT"/>
               <a:t>Quarto nível</a:t>
             </a:r>
           </a:p>
           <a:p>
             <a:pPr lvl="4"/>
             <a:r>
-              <a:rPr lang="pt-PT" smtClean="0"/>
+              <a:rPr lang="pt-PT"/>
               <a:t>Quinto nível</a:t>
             </a:r>
-            <a:endParaRPr lang="pt-PT"/>
           </a:p>
         </p:txBody>
       </p:sp>
@@ -2382,7 +2381,7 @@
               <a:pPr>
                 <a:defRPr/>
               </a:pPr>
-              <a:t>26-05-2013</a:t>
+              <a:t>13/12/2018</a:t>
             </a:fld>
             <a:endParaRPr lang="pt-PT"/>
           </a:p>
@@ -2441,7 +2440,7 @@
               <a:pPr>
                 <a:defRPr/>
               </a:pPr>
-              <a:t>‹nº›</a:t>
+              <a:t>‹#›</a:t>
             </a:fld>
             <a:endParaRPr lang="pt-PT"/>
           </a:p>
@@ -2488,10 +2487,9 @@
           <a:lstStyle/>
           <a:p>
             <a:r>
-              <a:rPr lang="pt-PT" smtClean="0"/>
+              <a:rPr lang="pt-PT"/>
               <a:t>Clique para editar o estilo</a:t>
             </a:r>
-            <a:endParaRPr lang="pt-PT"/>
           </a:p>
         </p:txBody>
       </p:sp>
@@ -2522,7 +2520,7 @@
               <a:pPr>
                 <a:defRPr/>
               </a:pPr>
-              <a:t>26-05-2013</a:t>
+              <a:t>13/12/2018</a:t>
             </a:fld>
             <a:endParaRPr lang="pt-PT"/>
           </a:p>
@@ -2581,7 +2579,7 @@
               <a:pPr>
                 <a:defRPr/>
               </a:pPr>
-              <a:t>‹nº›</a:t>
+              <a:t>‹#›</a:t>
             </a:fld>
             <a:endParaRPr lang="pt-PT"/>
           </a:p>
@@ -2639,7 +2637,7 @@
               <a:pPr>
                 <a:defRPr/>
               </a:pPr>
-              <a:t>26-05-2013</a:t>
+              <a:t>13/12/2018</a:t>
             </a:fld>
             <a:endParaRPr lang="pt-PT"/>
           </a:p>
@@ -2698,7 +2696,7 @@
               <a:pPr>
                 <a:defRPr/>
               </a:pPr>
-              <a:t>‹nº›</a:t>
+              <a:t>‹#›</a:t>
             </a:fld>
             <a:endParaRPr lang="pt-PT"/>
           </a:p>
@@ -2754,10 +2752,9 @@
           </a:lstStyle>
           <a:p>
             <a:r>
-              <a:rPr lang="pt-PT" smtClean="0"/>
+              <a:rPr lang="pt-PT"/>
               <a:t>Clique para editar o estilo</a:t>
             </a:r>
-            <a:endParaRPr lang="pt-PT"/>
           </a:p>
         </p:txBody>
       </p:sp>
@@ -2811,38 +2808,37 @@
           <a:p>
             <a:pPr lvl="0"/>
             <a:r>
-              <a:rPr lang="pt-PT" smtClean="0"/>
+              <a:rPr lang="pt-PT"/>
               <a:t>Clique para editar os estilos</a:t>
             </a:r>
           </a:p>
           <a:p>
             <a:pPr lvl="1"/>
             <a:r>
-              <a:rPr lang="pt-PT" smtClean="0"/>
+              <a:rPr lang="pt-PT"/>
               <a:t>Segundo nível</a:t>
             </a:r>
           </a:p>
           <a:p>
             <a:pPr lvl="2"/>
             <a:r>
-              <a:rPr lang="pt-PT" smtClean="0"/>
+              <a:rPr lang="pt-PT"/>
               <a:t>Terceiro nível</a:t>
             </a:r>
           </a:p>
           <a:p>
             <a:pPr lvl="3"/>
             <a:r>
-              <a:rPr lang="pt-PT" smtClean="0"/>
+              <a:rPr lang="pt-PT"/>
               <a:t>Quarto nível</a:t>
             </a:r>
           </a:p>
           <a:p>
             <a:pPr lvl="4"/>
             <a:r>
-              <a:rPr lang="pt-PT" smtClean="0"/>
+              <a:rPr lang="pt-PT"/>
               <a:t>Quinto nível</a:t>
             </a:r>
-            <a:endParaRPr lang="pt-PT"/>
           </a:p>
         </p:txBody>
       </p:sp>
@@ -2905,7 +2901,7 @@
           <a:p>
             <a:pPr lvl="0"/>
             <a:r>
-              <a:rPr lang="pt-PT" smtClean="0"/>
+              <a:rPr lang="pt-PT"/>
               <a:t>Clique para editar os estilos</a:t>
             </a:r>
           </a:p>
@@ -2938,7 +2934,7 @@
               <a:pPr>
                 <a:defRPr/>
               </a:pPr>
-              <a:t>26-05-2013</a:t>
+              <a:t>13/12/2018</a:t>
             </a:fld>
             <a:endParaRPr lang="pt-PT"/>
           </a:p>
@@ -2997,7 +2993,7 @@
               <a:pPr>
                 <a:defRPr/>
               </a:pPr>
-              <a:t>‹nº›</a:t>
+              <a:t>‹#›</a:t>
             </a:fld>
             <a:endParaRPr lang="pt-PT"/>
           </a:p>
@@ -3053,10 +3049,9 @@
           </a:lstStyle>
           <a:p>
             <a:r>
-              <a:rPr lang="pt-PT" smtClean="0"/>
+              <a:rPr lang="pt-PT"/>
               <a:t>Clique para editar o estilo</a:t>
             </a:r>
-            <a:endParaRPr lang="pt-PT"/>
           </a:p>
         </p:txBody>
       </p:sp>
@@ -3121,7 +3116,7 @@
           <a:p>
             <a:pPr lvl="0"/>
             <a:r>
-              <a:rPr lang="pt-PT" noProof="0" smtClean="0"/>
+              <a:rPr lang="pt-PT" noProof="0"/>
               <a:t>Clique no ícone para adicionar uma imagem</a:t>
             </a:r>
           </a:p>
@@ -3186,7 +3181,7 @@
           <a:p>
             <a:pPr lvl="0"/>
             <a:r>
-              <a:rPr lang="pt-PT" smtClean="0"/>
+              <a:rPr lang="pt-PT"/>
               <a:t>Clique para editar os estilos</a:t>
             </a:r>
           </a:p>
@@ -3219,7 +3214,7 @@
               <a:pPr>
                 <a:defRPr/>
               </a:pPr>
-              <a:t>26-05-2013</a:t>
+              <a:t>13/12/2018</a:t>
             </a:fld>
             <a:endParaRPr lang="pt-PT"/>
           </a:p>
@@ -3278,7 +3273,7 @@
               <a:pPr>
                 <a:defRPr/>
               </a:pPr>
-              <a:t>‹nº›</a:t>
+              <a:t>‹#›</a:t>
             </a:fld>
             <a:endParaRPr lang="pt-PT"/>
           </a:p>
@@ -3350,7 +3345,7 @@
           <a:p>
             <a:pPr lvl="0"/>
             <a:r>
-              <a:rPr lang="pt-PT" smtClean="0"/>
+              <a:rPr lang="pt-PT"/>
               <a:t>Clique para editar o estilo</a:t>
             </a:r>
           </a:p>
@@ -3392,35 +3387,35 @@
           <a:p>
             <a:pPr lvl="0"/>
             <a:r>
-              <a:rPr lang="pt-PT" smtClean="0"/>
+              <a:rPr lang="pt-PT"/>
               <a:t>Clique para editar os estilos</a:t>
             </a:r>
           </a:p>
           <a:p>
             <a:pPr lvl="1"/>
             <a:r>
-              <a:rPr lang="pt-PT" smtClean="0"/>
+              <a:rPr lang="pt-PT"/>
               <a:t>Segundo nível</a:t>
             </a:r>
           </a:p>
           <a:p>
             <a:pPr lvl="2"/>
             <a:r>
-              <a:rPr lang="pt-PT" smtClean="0"/>
+              <a:rPr lang="pt-PT"/>
               <a:t>Terceiro nível</a:t>
             </a:r>
           </a:p>
           <a:p>
             <a:pPr lvl="3"/>
             <a:r>
-              <a:rPr lang="pt-PT" smtClean="0"/>
+              <a:rPr lang="pt-PT"/>
               <a:t>Quarto nível</a:t>
             </a:r>
           </a:p>
           <a:p>
             <a:pPr lvl="4"/>
             <a:r>
-              <a:rPr lang="pt-PT" smtClean="0"/>
+              <a:rPr lang="pt-PT"/>
               <a:t>Quinto nível</a:t>
             </a:r>
           </a:p>
@@ -3475,7 +3470,7 @@
               <a:pPr>
                 <a:defRPr/>
               </a:pPr>
-              <a:t>26-05-2013</a:t>
+              <a:t>13/12/2018</a:t>
             </a:fld>
             <a:endParaRPr lang="pt-PT"/>
           </a:p>
@@ -3578,7 +3573,7 @@
               <a:pPr>
                 <a:defRPr/>
               </a:pPr>
-              <a:t>‹nº›</a:t>
+              <a:t>‹#›</a:t>
             </a:fld>
             <a:endParaRPr lang="pt-PT"/>
           </a:p>
@@ -4001,35 +3996,6 @@
       </p:grpSpPr>
       <p:sp>
         <p:nvSpPr>
-          <p:cNvPr id="8" name="Rectângulo 7"/>
-          <p:cNvSpPr/>
-          <p:nvPr/>
-        </p:nvSpPr>
-        <p:spPr>
-          <a:xfrm>
-            <a:off x="3204567" y="2106340"/>
-            <a:ext cx="3570208" cy="369332"/>
-          </a:xfrm>
-          <a:prstGeom prst="rect">
-            <a:avLst/>
-          </a:prstGeom>
-        </p:spPr>
-        <p:txBody>
-          <a:bodyPr wrap="none">
-            <a:spAutoFit/>
-          </a:bodyPr>
-          <a:lstStyle/>
-          <a:p>
-            <a:r>
-              <a:rPr lang="pt-PT" dirty="0" smtClean="0"/>
-              <a:t>insira uma figura alusiva ao tema</a:t>
-            </a:r>
-            <a:endParaRPr lang="pt-PT" dirty="0"/>
-          </a:p>
-        </p:txBody>
-      </p:sp>
-      <p:sp>
-        <p:nvSpPr>
           <p:cNvPr id="9" name="CaixaDeTexto 8"/>
           <p:cNvSpPr txBox="1"/>
           <p:nvPr/>
@@ -4060,7 +4026,7 @@
               <a:defRPr/>
             </a:pPr>
             <a:r>
-              <a:rPr lang="pt-PT" sz="21500" dirty="0" smtClean="0">
+              <a:rPr lang="pt-PT" sz="21500" dirty="0">
                 <a:solidFill>
                   <a:srgbClr val="93BFEB"/>
                 </a:solidFill>
@@ -4069,13 +4035,6 @@
               </a:rPr>
               <a:t>D</a:t>
             </a:r>
-            <a:endParaRPr lang="pt-PT" sz="21500" dirty="0">
-              <a:solidFill>
-                <a:srgbClr val="93BFEB"/>
-              </a:solidFill>
-              <a:latin typeface="Arial" pitchFamily="34" charset="0"/>
-              <a:cs typeface="Arial" pitchFamily="34" charset="0"/>
-            </a:endParaRPr>
           </a:p>
         </p:txBody>
       </p:sp>
@@ -4111,7 +4070,7 @@
               <a:defRPr/>
             </a:pPr>
             <a:r>
-              <a:rPr lang="pt-PT" sz="21500" dirty="0" smtClean="0">
+              <a:rPr lang="pt-PT" sz="21500" dirty="0">
                 <a:ln>
                   <a:solidFill>
                     <a:srgbClr val="6699FF"/>
@@ -4125,18 +4084,6 @@
               </a:rPr>
               <a:t>P</a:t>
             </a:r>
-            <a:endParaRPr lang="pt-PT" sz="21500" dirty="0">
-              <a:ln>
-                <a:solidFill>
-                  <a:srgbClr val="6699FF"/>
-                </a:solidFill>
-              </a:ln>
-              <a:solidFill>
-                <a:srgbClr val="FFFFFF"/>
-              </a:solidFill>
-              <a:latin typeface="Arial" pitchFamily="34" charset="0"/>
-              <a:cs typeface="Arial" pitchFamily="34" charset="0"/>
-            </a:endParaRPr>
           </a:p>
         </p:txBody>
       </p:sp>
@@ -4171,7 +4118,7 @@
               <a:defRPr/>
             </a:pPr>
             <a:r>
-              <a:rPr lang="pt-PT" sz="21500" dirty="0" smtClean="0">
+              <a:rPr lang="pt-PT" sz="21500" dirty="0">
                 <a:ln>
                   <a:solidFill>
                     <a:srgbClr val="6699FF"/>
@@ -4204,7 +4151,7 @@
         <p:spPr>
           <a:xfrm>
             <a:off x="585364" y="4102993"/>
-            <a:ext cx="5338857" cy="6017032"/>
+            <a:ext cx="5338857" cy="6386364"/>
           </a:xfrm>
           <a:prstGeom prst="rect">
             <a:avLst/>
@@ -4217,1045 +4164,148 @@
           <a:lstStyle/>
           <a:p>
             <a:r>
-              <a:rPr lang="pt-PT" sz="3600" b="1" dirty="0" smtClean="0"/>
-              <a:t>Insira o título da </a:t>
-            </a:r>
-          </a:p>
-          <a:p>
-            <a:r>
-              <a:rPr lang="pt-PT" sz="3600" b="1" dirty="0" smtClean="0"/>
-              <a:t>tese, letra </a:t>
-            </a:r>
-            <a:r>
-              <a:rPr lang="pt-PT" sz="3600" b="1" dirty="0" err="1" smtClean="0"/>
-              <a:t>Arial</a:t>
-            </a:r>
-            <a:r>
-              <a:rPr lang="pt-PT" sz="3600" b="1" dirty="0" smtClean="0"/>
+              <a:rPr lang="pt-PT" sz="3600" b="1" dirty="0"/>
+              <a:t>Obstacle  </a:t>
+            </a:r>
+          </a:p>
+          <a:p>
+            <a:r>
+              <a:rPr lang="pt-PT" sz="3600" b="1" dirty="0"/>
+              <a:t>Avoidance</a:t>
+            </a:r>
+          </a:p>
+          <a:p>
+            <a:r>
+              <a:rPr lang="pt-PT" sz="3600" b="1" dirty="0"/>
+              <a:t>Framework</a:t>
+            </a:r>
+          </a:p>
+          <a:p>
+            <a:r>
+              <a:rPr lang="pt-PT" sz="3600" b="1" dirty="0"/>
               <a:t> </a:t>
             </a:r>
           </a:p>
           <a:p>
             <a:r>
-              <a:rPr lang="pt-PT" sz="3600" b="1" dirty="0" smtClean="0"/>
-              <a:t>Bold, tamanho </a:t>
-            </a:r>
-          </a:p>
-          <a:p>
-            <a:r>
-              <a:rPr lang="pt-PT" sz="3600" b="1" dirty="0" smtClean="0"/>
-              <a:t>ajustado a caixa </a:t>
-            </a:r>
-          </a:p>
-          <a:p>
-            <a:r>
-              <a:rPr lang="pt-PT" sz="3600" b="1" dirty="0" smtClean="0"/>
-              <a:t>de texto 12x12 </a:t>
-            </a:r>
-          </a:p>
-          <a:p>
-            <a:r>
-              <a:rPr lang="pt-PT" sz="3600" b="1" dirty="0" smtClean="0"/>
-              <a:t>cm, justificado </a:t>
-            </a:r>
-          </a:p>
-          <a:p>
-            <a:r>
-              <a:rPr lang="pt-PT" sz="3600" b="1" dirty="0" smtClean="0"/>
-              <a:t>à esquerda</a:t>
-            </a:r>
-            <a:endParaRPr lang="pt-PT" sz="1200" dirty="0" smtClean="0"/>
-          </a:p>
-          <a:p>
-            <a:endParaRPr lang="pt-PT" sz="1100" dirty="0" smtClean="0"/>
-          </a:p>
-          <a:p>
-            <a:r>
-              <a:rPr lang="pt-PT" dirty="0" smtClean="0"/>
-              <a:t>Nome do autor, </a:t>
-            </a:r>
-            <a:r>
-              <a:rPr lang="pt-PT" dirty="0" err="1" smtClean="0"/>
-              <a:t>Arial</a:t>
-            </a:r>
-            <a:r>
-              <a:rPr lang="pt-PT" dirty="0" smtClean="0"/>
+              <a:rPr lang="pt-PT" sz="3600" b="1" dirty="0"/>
+              <a:t>based on</a:t>
+            </a:r>
+          </a:p>
+          <a:p>
+            <a:r>
+              <a:rPr lang="pt-PT" sz="3600" b="1" dirty="0"/>
               <a:t> </a:t>
             </a:r>
-            <a:r>
-              <a:rPr lang="pt-PT" dirty="0" err="1" smtClean="0"/>
-              <a:t>Plain</a:t>
-            </a:r>
-            <a:r>
-              <a:rPr lang="pt-PT" dirty="0" smtClean="0"/>
-              <a:t>, 18</a:t>
-            </a:r>
-          </a:p>
-          <a:p>
-            <a:r>
-              <a:rPr lang="pt-PT" sz="1200" dirty="0" smtClean="0"/>
-              <a:t>Nome do Curso, </a:t>
-            </a:r>
-            <a:r>
-              <a:rPr lang="pt-PT" sz="1200" dirty="0" err="1" smtClean="0"/>
-              <a:t>Arial</a:t>
-            </a:r>
-            <a:r>
-              <a:rPr lang="pt-PT" sz="1200" dirty="0" smtClean="0"/>
-              <a:t> Plain12</a:t>
-            </a:r>
-          </a:p>
-          <a:p>
-            <a:r>
-              <a:rPr lang="pt-PT" sz="1000" dirty="0" smtClean="0"/>
-              <a:t>Departamento, </a:t>
-            </a:r>
-            <a:r>
-              <a:rPr lang="pt-PT" sz="1000" dirty="0" err="1" smtClean="0"/>
-              <a:t>Arial</a:t>
-            </a:r>
-            <a:r>
-              <a:rPr lang="pt-PT" sz="1000" dirty="0" smtClean="0"/>
-              <a:t> </a:t>
-            </a:r>
-            <a:r>
-              <a:rPr lang="pt-PT" sz="1000" dirty="0" err="1" smtClean="0"/>
-              <a:t>Plain</a:t>
-            </a:r>
-            <a:r>
-              <a:rPr lang="pt-PT" sz="1000" dirty="0" smtClean="0"/>
-              <a:t> 10</a:t>
-            </a:r>
-          </a:p>
-          <a:p>
-            <a:r>
-              <a:rPr lang="pt-PT" sz="1000" dirty="0" smtClean="0"/>
-              <a:t>Ano</a:t>
-            </a:r>
-          </a:p>
-          <a:p>
-            <a:endParaRPr lang="pt-PT" sz="1000" dirty="0" smtClean="0"/>
-          </a:p>
-          <a:p>
-            <a:r>
-              <a:rPr lang="pt-PT" sz="1200" b="1" dirty="0" smtClean="0"/>
+          </a:p>
+          <a:p>
+            <a:r>
+              <a:rPr lang="pt-PT" sz="3600" b="1" dirty="0"/>
+              <a:t>Reach Sets</a:t>
+            </a:r>
+            <a:endParaRPr lang="pt-PT" sz="1200" dirty="0"/>
+          </a:p>
+          <a:p>
+            <a:endParaRPr lang="pt-PT" sz="1100" dirty="0"/>
+          </a:p>
+          <a:p>
+            <a:r>
+              <a:rPr lang="pt-PT" dirty="0"/>
+              <a:t>Alojz Gomola</a:t>
+            </a:r>
+          </a:p>
+          <a:p>
+            <a:r>
+              <a:rPr lang="pt-BR" sz="1200" dirty="0"/>
+              <a:t>Program Doutoral em Matemática Aplicada</a:t>
+            </a:r>
+          </a:p>
+          <a:p>
+            <a:r>
+              <a:rPr lang="pt-PT" sz="1000" dirty="0"/>
+              <a:t>Departamento de Matemática</a:t>
+            </a:r>
+          </a:p>
+          <a:p>
+            <a:r>
+              <a:rPr lang="pt-PT" sz="1000" dirty="0"/>
+              <a:t>2019</a:t>
+            </a:r>
+          </a:p>
+          <a:p>
+            <a:endParaRPr lang="pt-PT" sz="1000" dirty="0"/>
+          </a:p>
+          <a:p>
+            <a:r>
+              <a:rPr lang="pt-PT" sz="1200" b="1" dirty="0"/>
               <a:t>Orientador </a:t>
             </a:r>
           </a:p>
           <a:p>
             <a:r>
-              <a:rPr lang="pt-PT" sz="1000" dirty="0" smtClean="0"/>
-              <a:t>Nome do Orientador, Categoria, </a:t>
-            </a:r>
-            <a:r>
-              <a:rPr lang="pt-PT" sz="1000" dirty="0" smtClean="0"/>
-              <a:t>Faculdade</a:t>
-            </a:r>
-            <a:endParaRPr lang="pt-PT" sz="1000" dirty="0" smtClean="0"/>
-          </a:p>
-          <a:p>
-            <a:endParaRPr lang="pt-PT" sz="1000" dirty="0" smtClean="0"/>
-          </a:p>
-          <a:p>
-            <a:r>
-              <a:rPr lang="pt-PT" sz="1200" b="1" dirty="0" err="1" smtClean="0"/>
-              <a:t>Coorientador</a:t>
-            </a:r>
-            <a:r>
-              <a:rPr lang="pt-PT" sz="1200" b="1" dirty="0" smtClean="0"/>
-              <a:t> </a:t>
-            </a:r>
-          </a:p>
-          <a:p>
-            <a:r>
-              <a:rPr lang="pt-PT" sz="1000" dirty="0" smtClean="0"/>
-              <a:t>Nome do Orientador, Categoria, Faculdade</a:t>
+              <a:rPr lang="pt-BR" sz="1000" dirty="0"/>
+              <a:t>João Tasso de Figueiredo Borges de Sousa, DEEC, FEUP</a:t>
             </a:r>
             <a:endParaRPr lang="pt-PT" sz="1000" dirty="0"/>
           </a:p>
-        </p:txBody>
-      </p:sp>
-    </p:spTree>
-  </p:cSld>
-  <p:clrMapOvr>
-    <a:masterClrMapping/>
-  </p:clrMapOvr>
-</p:sld>
-</file>
-
-<file path=ppt/slides/slide2.xml><?xml version="1.0" encoding="utf-8"?>
-<p:sld xmlns:a="http://schemas.openxmlformats.org/drawingml/2006/main" xmlns:r="http://schemas.openxmlformats.org/officeDocument/2006/relationships" xmlns:p="http://schemas.openxmlformats.org/presentationml/2006/main">
-  <p:cSld>
-    <p:spTree>
-      <p:nvGrpSpPr>
-        <p:cNvPr id="1" name=""/>
-        <p:cNvGrpSpPr/>
-        <p:nvPr/>
-      </p:nvGrpSpPr>
-      <p:grpSpPr>
-        <a:xfrm>
-          <a:off x="0" y="0"/>
-          <a:ext cx="0" cy="0"/>
-          <a:chOff x="0" y="0"/>
-          <a:chExt cx="0" cy="0"/>
-        </a:xfrm>
-      </p:grpSpPr>
-      <p:grpSp>
-        <p:nvGrpSpPr>
-          <p:cNvPr id="24" name="Grupo 23"/>
-          <p:cNvGrpSpPr/>
-          <p:nvPr/>
-        </p:nvGrpSpPr>
-        <p:grpSpPr>
-          <a:xfrm>
-            <a:off x="1692399" y="2970436"/>
-            <a:ext cx="4248472" cy="4248472"/>
-            <a:chOff x="1692399" y="2970436"/>
-            <a:chExt cx="4248472" cy="4248472"/>
-          </a:xfrm>
-          <a:noFill/>
-        </p:grpSpPr>
-        <p:sp>
-          <p:nvSpPr>
-            <p:cNvPr id="6" name="Oval 5"/>
-            <p:cNvSpPr/>
-            <p:nvPr/>
-          </p:nvSpPr>
-          <p:spPr>
-            <a:xfrm>
-              <a:off x="1692399" y="2970436"/>
-              <a:ext cx="4248472" cy="4248472"/>
-            </a:xfrm>
-            <a:prstGeom prst="ellipse">
-              <a:avLst/>
-            </a:prstGeom>
-            <a:grpFill/>
-            <a:ln w="6350">
-              <a:solidFill>
-                <a:schemeClr val="bg1">
-                  <a:lumMod val="50000"/>
-                </a:schemeClr>
-              </a:solidFill>
-            </a:ln>
-          </p:spPr>
-          <p:style>
-            <a:lnRef idx="2">
-              <a:schemeClr val="accent1">
-                <a:shade val="50000"/>
-              </a:schemeClr>
-            </a:lnRef>
-            <a:fillRef idx="1">
-              <a:schemeClr val="accent1"/>
-            </a:fillRef>
-            <a:effectRef idx="0">
-              <a:schemeClr val="accent1"/>
-            </a:effectRef>
-            <a:fontRef idx="minor">
-              <a:schemeClr val="lt1"/>
-            </a:fontRef>
-          </p:style>
-          <p:txBody>
-            <a:bodyPr rtlCol="0" anchor="ctr"/>
-            <a:lstStyle/>
-            <a:p>
-              <a:pPr algn="ctr"/>
-              <a:endParaRPr lang="pt-PT"/>
-            </a:p>
-          </p:txBody>
-        </p:sp>
-        <p:sp>
-          <p:nvSpPr>
-            <p:cNvPr id="15" name="CaixaDeTexto 14"/>
-            <p:cNvSpPr txBox="1"/>
-            <p:nvPr/>
-          </p:nvSpPr>
-          <p:spPr>
-            <a:xfrm>
-              <a:off x="1692399" y="4613553"/>
-              <a:ext cx="1656184" cy="877163"/>
-            </a:xfrm>
-            <a:prstGeom prst="rect">
-              <a:avLst/>
-            </a:prstGeom>
-            <a:grpFill/>
-            <a:ln>
-              <a:noFill/>
-            </a:ln>
-          </p:spPr>
-          <p:txBody>
-            <a:bodyPr wrap="square">
-              <a:spAutoFit/>
-            </a:bodyPr>
-            <a:lstStyle/>
-            <a:p>
-              <a:pPr defTabSz="1501884" fontAlgn="auto">
-                <a:spcBef>
-                  <a:spcPts val="0"/>
-                </a:spcBef>
-                <a:spcAft>
-                  <a:spcPts val="0"/>
-                </a:spcAft>
-                <a:defRPr/>
-              </a:pPr>
-              <a:r>
-                <a:rPr lang="pt-PT" sz="5100" dirty="0" err="1" smtClean="0">
-                  <a:ln>
-                    <a:solidFill>
-                      <a:srgbClr val="93BFEB"/>
-                    </a:solidFill>
-                  </a:ln>
-                  <a:solidFill>
-                    <a:srgbClr val="FFFFFF"/>
-                  </a:solidFill>
-                  <a:latin typeface="Arial" pitchFamily="34" charset="0"/>
-                  <a:cs typeface="Arial" pitchFamily="34" charset="0"/>
-                </a:rPr>
-                <a:t>Ph</a:t>
-              </a:r>
-              <a:r>
-                <a:rPr lang="pt-PT" sz="5100" dirty="0" err="1" smtClean="0">
-                  <a:solidFill>
-                    <a:srgbClr val="93BFEB"/>
-                  </a:solidFill>
-                  <a:latin typeface="Arial" pitchFamily="34" charset="0"/>
-                  <a:cs typeface="Arial" pitchFamily="34" charset="0"/>
-                </a:rPr>
-                <a:t>D</a:t>
-              </a:r>
-              <a:endParaRPr lang="pt-PT" sz="5100" dirty="0">
-                <a:ln>
-                  <a:solidFill>
-                    <a:srgbClr val="93BFEB"/>
-                  </a:solidFill>
-                </a:ln>
-                <a:solidFill>
-                  <a:srgbClr val="F8F8F8"/>
-                </a:solidFill>
-                <a:latin typeface="Arial" pitchFamily="34" charset="0"/>
-                <a:cs typeface="Arial" pitchFamily="34" charset="0"/>
-              </a:endParaRPr>
-            </a:p>
-          </p:txBody>
-        </p:sp>
-      </p:grpSp>
-      <p:sp>
-        <p:nvSpPr>
-          <p:cNvPr id="20" name="Rectângulo 19"/>
-          <p:cNvSpPr/>
-          <p:nvPr/>
-        </p:nvSpPr>
-        <p:spPr>
-          <a:xfrm>
-            <a:off x="1908423" y="5882694"/>
-            <a:ext cx="3778250" cy="400110"/>
-          </a:xfrm>
-          <a:prstGeom prst="rect">
-            <a:avLst/>
-          </a:prstGeom>
-        </p:spPr>
-        <p:txBody>
-          <a:bodyPr>
-            <a:spAutoFit/>
-          </a:bodyPr>
-          <a:lstStyle/>
-          <a:p>
-            <a:pPr algn="ctr"/>
-            <a:r>
-              <a:rPr lang="pt-PT" sz="1000" b="1" dirty="0" smtClean="0"/>
-              <a:t>Insira título da tese de doutoramento, </a:t>
-            </a:r>
-          </a:p>
-          <a:p>
-            <a:pPr algn="ctr"/>
-            <a:r>
-              <a:rPr lang="pt-PT" sz="1000" b="1" dirty="0" smtClean="0"/>
-              <a:t>letra Arial Bold, tamanho 10</a:t>
-            </a:r>
-            <a:endParaRPr lang="pt-PT" sz="1000" b="1" dirty="0"/>
-          </a:p>
-        </p:txBody>
-      </p:sp>
-      <p:sp>
-        <p:nvSpPr>
-          <p:cNvPr id="21" name="Rectângulo 20"/>
-          <p:cNvSpPr/>
-          <p:nvPr/>
-        </p:nvSpPr>
-        <p:spPr>
-          <a:xfrm>
-            <a:off x="2700511" y="6321420"/>
-            <a:ext cx="2232248" cy="969496"/>
-          </a:xfrm>
-          <a:prstGeom prst="rect">
-            <a:avLst/>
-          </a:prstGeom>
-        </p:spPr>
-        <p:txBody>
-          <a:bodyPr wrap="square">
-            <a:spAutoFit/>
-          </a:bodyPr>
-          <a:lstStyle/>
-          <a:p>
-            <a:pPr algn="ctr"/>
-            <a:r>
-              <a:rPr lang="pt-PT" sz="900" dirty="0" smtClean="0"/>
-              <a:t>Nome do Autor, Arial Plain tamanho 9</a:t>
-            </a:r>
-          </a:p>
-          <a:p>
-            <a:pPr algn="ctr"/>
-            <a:endParaRPr lang="pt-PT" sz="700" dirty="0" smtClean="0"/>
-          </a:p>
-          <a:p>
-            <a:pPr algn="ctr"/>
-            <a:r>
-              <a:rPr lang="pt-PT" sz="700" dirty="0" smtClean="0"/>
-              <a:t>Nome do Curso, Arial Plain, 7</a:t>
-            </a:r>
-          </a:p>
-          <a:p>
-            <a:pPr algn="ctr"/>
-            <a:endParaRPr lang="pt-PT" sz="700" dirty="0" smtClean="0"/>
-          </a:p>
-          <a:p>
-            <a:pPr algn="ctr"/>
-            <a:r>
-              <a:rPr lang="pt-PT" sz="700" dirty="0" smtClean="0"/>
-              <a:t>Departamento, Arial Plain, 7</a:t>
-            </a:r>
-          </a:p>
-          <a:p>
-            <a:endParaRPr lang="pt-PT" dirty="0" smtClean="0"/>
-          </a:p>
-        </p:txBody>
-      </p:sp>
-      <p:sp>
-        <p:nvSpPr>
-          <p:cNvPr id="22" name="Rectângulo 21"/>
-          <p:cNvSpPr/>
-          <p:nvPr/>
-        </p:nvSpPr>
-        <p:spPr>
-          <a:xfrm>
-            <a:off x="3542557" y="6941909"/>
-            <a:ext cx="526106" cy="276999"/>
-          </a:xfrm>
-          <a:prstGeom prst="rect">
-            <a:avLst/>
-          </a:prstGeom>
-        </p:spPr>
-        <p:txBody>
-          <a:bodyPr wrap="none">
-            <a:spAutoFit/>
-          </a:bodyPr>
-          <a:lstStyle/>
-          <a:p>
-            <a:r>
-              <a:rPr lang="pt-PT" sz="1200" b="1" dirty="0" smtClean="0"/>
-              <a:t>ANO</a:t>
-            </a:r>
-            <a:endParaRPr lang="pt-PT" sz="1200" dirty="0"/>
-          </a:p>
-        </p:txBody>
-      </p:sp>
-      <p:sp>
-        <p:nvSpPr>
-          <p:cNvPr id="7" name="Oval 6"/>
-          <p:cNvSpPr/>
-          <p:nvPr/>
-        </p:nvSpPr>
-        <p:spPr>
-          <a:xfrm>
-            <a:off x="3060551" y="4338588"/>
-            <a:ext cx="1476000" cy="1476000"/>
-          </a:xfrm>
-          <a:prstGeom prst="ellipse">
-            <a:avLst/>
-          </a:prstGeom>
-          <a:solidFill>
-            <a:srgbClr val="F8F8F8"/>
-          </a:solidFill>
-          <a:ln w="3175">
-            <a:solidFill>
-              <a:schemeClr val="bg1">
-                <a:lumMod val="50000"/>
-              </a:schemeClr>
-            </a:solidFill>
-          </a:ln>
-        </p:spPr>
-        <p:style>
-          <a:lnRef idx="2">
-            <a:schemeClr val="accent1">
-              <a:shade val="50000"/>
-            </a:schemeClr>
-          </a:lnRef>
-          <a:fillRef idx="1">
-            <a:schemeClr val="accent1"/>
-          </a:fillRef>
-          <a:effectRef idx="0">
-            <a:schemeClr val="accent1"/>
-          </a:effectRef>
-          <a:fontRef idx="minor">
-            <a:schemeClr val="lt1"/>
-          </a:fontRef>
-        </p:style>
-        <p:txBody>
-          <a:bodyPr rtlCol="0" anchor="ctr"/>
-          <a:lstStyle/>
-          <a:p>
-            <a:pPr algn="ctr"/>
-            <a:endParaRPr lang="pt-PT"/>
+          <a:p>
+            <a:endParaRPr lang="pt-PT" sz="1000" dirty="0"/>
+          </a:p>
+          <a:p>
+            <a:r>
+              <a:rPr lang="pt-PT" sz="1200" b="1" dirty="0"/>
+              <a:t>Coorientador </a:t>
+            </a:r>
+          </a:p>
+          <a:p>
+            <a:r>
+              <a:rPr lang="pt-BR" sz="1000" dirty="0"/>
+              <a:t>Fernando Manuel Ferreira Lobo Pereira, DEEC, FEUP</a:t>
+            </a:r>
+            <a:endParaRPr lang="pt-PT" sz="1000" dirty="0"/>
+          </a:p>
+          <a:p>
+            <a:endParaRPr lang="pt-PT" sz="1000" dirty="0"/>
+          </a:p>
+          <a:p>
+            <a:r>
+              <a:rPr lang="pt-PT" sz="1200" b="1" dirty="0"/>
+              <a:t>Coorientador </a:t>
+            </a:r>
+          </a:p>
+          <a:p>
+            <a:r>
+              <a:rPr lang="en-US" sz="1000" dirty="0"/>
+              <a:t>Milan Hrusecky, Aerospace, Honeywell International</a:t>
+            </a:r>
+            <a:endParaRPr lang="pt-PT" sz="1000" dirty="0"/>
           </a:p>
         </p:txBody>
       </p:sp>
       <p:pic>
         <p:nvPicPr>
-          <p:cNvPr id="11" name="Imagem 10" descr="logo-FCUP.jpg"/>
+          <p:cNvPr id="2" name="Picture 1"/>
           <p:cNvPicPr>
             <a:picLocks noChangeAspect="1"/>
           </p:cNvPicPr>
           <p:nvPr/>
         </p:nvPicPr>
         <p:blipFill>
-          <a:blip r:embed="rId2" cstate="print"/>
-          <a:srcRect l="9607"/>
+          <a:blip r:embed="rId2">
+            <a:extLst>
+              <a:ext uri="{28A0092B-C50C-407E-A947-70E740481C1C}">
+                <a14:useLocalDpi xmlns:a14="http://schemas.microsoft.com/office/drawing/2010/main" val="0"/>
+              </a:ext>
+            </a:extLst>
+          </a:blip>
           <a:stretch>
             <a:fillRect/>
           </a:stretch>
         </p:blipFill>
         <p:spPr>
           <a:xfrm>
-            <a:off x="4284687" y="3618508"/>
-            <a:ext cx="1080120" cy="706977"/>
-          </a:xfrm>
-          <a:prstGeom prst="rect">
-            <a:avLst/>
-          </a:prstGeom>
-        </p:spPr>
-      </p:pic>
-      <p:pic>
-        <p:nvPicPr>
-          <p:cNvPr id="13" name="Imagem 12" descr="LogoUA3p.JPG"/>
-          <p:cNvPicPr>
-            <a:picLocks noChangeAspect="1"/>
-          </p:cNvPicPr>
-          <p:nvPr/>
-        </p:nvPicPr>
-        <p:blipFill>
-          <a:blip r:embed="rId3" cstate="print"/>
-          <a:srcRect t="13908"/>
-          <a:stretch>
-            <a:fillRect/>
-          </a:stretch>
-        </p:blipFill>
-        <p:spPr>
-          <a:xfrm>
-            <a:off x="3348583" y="3690516"/>
-            <a:ext cx="907334" cy="432048"/>
-          </a:xfrm>
-          <a:prstGeom prst="rect">
-            <a:avLst/>
-          </a:prstGeom>
-        </p:spPr>
-      </p:pic>
-      <p:pic>
-        <p:nvPicPr>
-          <p:cNvPr id="14" name="Imagem 13" descr="LogoUM.jpg"/>
-          <p:cNvPicPr>
-            <a:picLocks noChangeAspect="1"/>
-          </p:cNvPicPr>
-          <p:nvPr/>
-        </p:nvPicPr>
-        <p:blipFill>
-          <a:blip r:embed="rId4" cstate="print"/>
-          <a:stretch>
-            <a:fillRect/>
-          </a:stretch>
-        </p:blipFill>
-        <p:spPr>
-          <a:xfrm>
-            <a:off x="2448786" y="3690516"/>
-            <a:ext cx="755781" cy="591697"/>
-          </a:xfrm>
-          <a:prstGeom prst="rect">
-            <a:avLst/>
-          </a:prstGeom>
-        </p:spPr>
-      </p:pic>
-    </p:spTree>
-  </p:cSld>
-  <p:clrMapOvr>
-    <a:masterClrMapping/>
-  </p:clrMapOvr>
-</p:sld>
-</file>
-
-<file path=ppt/slides/slide3.xml><?xml version="1.0" encoding="utf-8"?>
-<p:sld xmlns:a="http://schemas.openxmlformats.org/drawingml/2006/main" xmlns:r="http://schemas.openxmlformats.org/officeDocument/2006/relationships" xmlns:p="http://schemas.openxmlformats.org/presentationml/2006/main">
-  <p:cSld>
-    <p:spTree>
-      <p:nvGrpSpPr>
-        <p:cNvPr id="1" name=""/>
-        <p:cNvGrpSpPr/>
-        <p:nvPr/>
-      </p:nvGrpSpPr>
-      <p:grpSpPr>
-        <a:xfrm>
-          <a:off x="0" y="0"/>
-          <a:ext cx="0" cy="0"/>
-          <a:chOff x="0" y="0"/>
-          <a:chExt cx="0" cy="0"/>
-        </a:xfrm>
-      </p:grpSpPr>
-      <p:sp>
-        <p:nvSpPr>
-          <p:cNvPr id="6" name="Rectângulo 5"/>
-          <p:cNvSpPr/>
-          <p:nvPr/>
-        </p:nvSpPr>
-        <p:spPr>
-          <a:xfrm>
-            <a:off x="1692399" y="732240"/>
-            <a:ext cx="4320480" cy="4320000"/>
-          </a:xfrm>
-          <a:prstGeom prst="rect">
-            <a:avLst/>
-          </a:prstGeom>
-          <a:solidFill>
-            <a:srgbClr val="FFFFFF"/>
-          </a:solidFill>
-          <a:ln>
-            <a:solidFill>
-              <a:schemeClr val="bg1">
-                <a:lumMod val="75000"/>
-              </a:schemeClr>
-            </a:solidFill>
-          </a:ln>
-        </p:spPr>
-        <p:style>
-          <a:lnRef idx="2">
-            <a:schemeClr val="accent1">
-              <a:shade val="50000"/>
-            </a:schemeClr>
-          </a:lnRef>
-          <a:fillRef idx="1">
-            <a:schemeClr val="accent1"/>
-          </a:fillRef>
-          <a:effectRef idx="0">
-            <a:schemeClr val="accent1"/>
-          </a:effectRef>
-          <a:fontRef idx="minor">
-            <a:schemeClr val="lt1"/>
-          </a:fontRef>
-        </p:style>
-        <p:txBody>
-          <a:bodyPr rtlCol="0" anchor="ctr"/>
-          <a:lstStyle/>
-          <a:p>
-            <a:pPr algn="ctr"/>
-            <a:endParaRPr lang="pt-PT"/>
-          </a:p>
-        </p:txBody>
-      </p:sp>
-      <p:sp>
-        <p:nvSpPr>
-          <p:cNvPr id="7" name="Rectângulo 6"/>
-          <p:cNvSpPr/>
-          <p:nvPr/>
-        </p:nvSpPr>
-        <p:spPr>
-          <a:xfrm>
-            <a:off x="2340471" y="1818308"/>
-            <a:ext cx="3699323" cy="3008516"/>
-          </a:xfrm>
-          <a:prstGeom prst="rect">
-            <a:avLst/>
-          </a:prstGeom>
-        </p:spPr>
-        <p:txBody>
-          <a:bodyPr wrap="square">
-            <a:spAutoFit/>
-          </a:bodyPr>
-          <a:lstStyle/>
-          <a:p>
-            <a:r>
-              <a:rPr lang="pt-PT" sz="2000" b="1" dirty="0" smtClean="0"/>
-              <a:t>Insira o título da </a:t>
-            </a:r>
-          </a:p>
-          <a:p>
-            <a:r>
-              <a:rPr lang="pt-PT" sz="2000" b="1" dirty="0" smtClean="0"/>
-              <a:t>tese, letra </a:t>
-            </a:r>
-            <a:r>
-              <a:rPr lang="pt-PT" sz="2000" b="1" dirty="0" err="1" smtClean="0"/>
-              <a:t>Arial</a:t>
-            </a:r>
-            <a:r>
-              <a:rPr lang="pt-PT" sz="2000" b="1" dirty="0" smtClean="0"/>
-              <a:t> </a:t>
-            </a:r>
-          </a:p>
-          <a:p>
-            <a:r>
-              <a:rPr lang="pt-PT" sz="2000" b="1" dirty="0" smtClean="0"/>
-              <a:t>Bold, tamanho </a:t>
-            </a:r>
-          </a:p>
-          <a:p>
-            <a:r>
-              <a:rPr lang="pt-PT" sz="2000" b="1" dirty="0" smtClean="0"/>
-              <a:t>ajustado a caixa </a:t>
-            </a:r>
-          </a:p>
-          <a:p>
-            <a:r>
-              <a:rPr lang="pt-PT" sz="2000" b="1" dirty="0" smtClean="0"/>
-              <a:t>de texto 6 x 6 </a:t>
-            </a:r>
-          </a:p>
-          <a:p>
-            <a:r>
-              <a:rPr lang="pt-PT" sz="2000" b="1" dirty="0" smtClean="0"/>
-              <a:t>cm, justificado </a:t>
-            </a:r>
-          </a:p>
-          <a:p>
-            <a:r>
-              <a:rPr lang="pt-PT" sz="2000" b="1" dirty="0" smtClean="0"/>
-              <a:t>à esquerda</a:t>
-            </a:r>
-            <a:endParaRPr lang="pt-PT" sz="900" dirty="0" smtClean="0"/>
-          </a:p>
-          <a:p>
-            <a:endParaRPr lang="pt-PT" sz="1200" dirty="0" smtClean="0"/>
-          </a:p>
-          <a:p>
-            <a:pPr>
-              <a:lnSpc>
-                <a:spcPct val="150000"/>
-              </a:lnSpc>
-            </a:pPr>
-            <a:r>
-              <a:rPr lang="pt-PT" sz="1000" dirty="0" smtClean="0"/>
-              <a:t>Nome </a:t>
-            </a:r>
-            <a:r>
-              <a:rPr lang="pt-PT" sz="1000" dirty="0"/>
-              <a:t>do autor, Arial Plain, </a:t>
-            </a:r>
-            <a:r>
-              <a:rPr lang="pt-PT" sz="1000" dirty="0" smtClean="0"/>
-              <a:t>18</a:t>
-            </a:r>
-          </a:p>
-          <a:p>
-            <a:pPr>
-              <a:lnSpc>
-                <a:spcPct val="150000"/>
-              </a:lnSpc>
-            </a:pPr>
-            <a:r>
-              <a:rPr lang="pt-PT" sz="800" dirty="0" smtClean="0"/>
-              <a:t>Nome do curso, Arial Plain, 12</a:t>
-            </a:r>
-          </a:p>
-          <a:p>
-            <a:pPr>
-              <a:lnSpc>
-                <a:spcPct val="150000"/>
-              </a:lnSpc>
-            </a:pPr>
-            <a:r>
-              <a:rPr lang="pt-PT" sz="700" dirty="0" smtClean="0"/>
-              <a:t>Departamento, Arial Plain, 7</a:t>
-            </a:r>
-          </a:p>
-        </p:txBody>
-      </p:sp>
-      <p:sp>
-        <p:nvSpPr>
-          <p:cNvPr id="16" name="Rectângulo 15"/>
-          <p:cNvSpPr/>
-          <p:nvPr/>
-        </p:nvSpPr>
-        <p:spPr>
-          <a:xfrm>
-            <a:off x="756295" y="5418708"/>
-            <a:ext cx="6048672" cy="4608512"/>
-          </a:xfrm>
-          <a:prstGeom prst="rect">
-            <a:avLst/>
-          </a:prstGeom>
-          <a:solidFill>
-            <a:srgbClr val="FFFFFF"/>
-          </a:solidFill>
-          <a:ln>
-            <a:solidFill>
-              <a:schemeClr val="bg1">
-                <a:lumMod val="65000"/>
-              </a:schemeClr>
-            </a:solidFill>
-          </a:ln>
-        </p:spPr>
-        <p:style>
-          <a:lnRef idx="2">
-            <a:schemeClr val="accent1">
-              <a:shade val="50000"/>
-            </a:schemeClr>
-          </a:lnRef>
-          <a:fillRef idx="1">
-            <a:schemeClr val="accent1"/>
-          </a:fillRef>
-          <a:effectRef idx="0">
-            <a:schemeClr val="accent1"/>
-          </a:effectRef>
-          <a:fontRef idx="minor">
-            <a:schemeClr val="lt1"/>
-          </a:fontRef>
-        </p:style>
-        <p:txBody>
-          <a:bodyPr rtlCol="0" anchor="ctr"/>
-          <a:lstStyle/>
-          <a:p>
-            <a:pPr algn="ctr"/>
-            <a:endParaRPr lang="pt-PT"/>
-          </a:p>
-        </p:txBody>
-      </p:sp>
-      <p:sp>
-        <p:nvSpPr>
-          <p:cNvPr id="32" name="CaixaDeTexto 31"/>
-          <p:cNvSpPr txBox="1"/>
-          <p:nvPr/>
-        </p:nvSpPr>
-        <p:spPr>
-          <a:xfrm rot="5400000">
-            <a:off x="4273659" y="1187654"/>
-            <a:ext cx="2664294" cy="1477328"/>
-          </a:xfrm>
-          <a:prstGeom prst="rect">
-            <a:avLst/>
-          </a:prstGeom>
-          <a:noFill/>
-          <a:ln>
-            <a:noFill/>
-          </a:ln>
-        </p:spPr>
-        <p:txBody>
-          <a:bodyPr wrap="square">
-            <a:spAutoFit/>
-          </a:bodyPr>
-          <a:lstStyle/>
-          <a:p>
-            <a:pPr defTabSz="1501884" fontAlgn="auto">
-              <a:spcBef>
-                <a:spcPts val="0"/>
-              </a:spcBef>
-              <a:spcAft>
-                <a:spcPts val="0"/>
-              </a:spcAft>
-              <a:defRPr/>
-            </a:pPr>
-            <a:r>
-              <a:rPr lang="pt-PT" sz="9000" dirty="0" smtClean="0">
-                <a:ln>
-                  <a:solidFill>
-                    <a:srgbClr val="93BFEB"/>
-                  </a:solidFill>
-                </a:ln>
-                <a:noFill/>
-                <a:latin typeface="Arial" pitchFamily="34" charset="0"/>
-                <a:cs typeface="Arial" pitchFamily="34" charset="0"/>
-              </a:rPr>
-              <a:t>PhD</a:t>
-            </a:r>
-            <a:endParaRPr lang="pt-PT" sz="9000" dirty="0">
-              <a:ln>
-                <a:solidFill>
-                  <a:srgbClr val="93BFEB"/>
-                </a:solidFill>
-              </a:ln>
-              <a:noFill/>
-              <a:latin typeface="Arial" pitchFamily="34" charset="0"/>
-              <a:cs typeface="Arial" pitchFamily="34" charset="0"/>
-            </a:endParaRPr>
-          </a:p>
-        </p:txBody>
-      </p:sp>
-      <p:sp>
-        <p:nvSpPr>
-          <p:cNvPr id="33" name="CaixaDeTexto 32"/>
-          <p:cNvSpPr txBox="1"/>
-          <p:nvPr/>
-        </p:nvSpPr>
-        <p:spPr>
-          <a:xfrm rot="16200000" flipH="1">
-            <a:off x="4159255" y="3023859"/>
-            <a:ext cx="2880321" cy="1477328"/>
-          </a:xfrm>
-          <a:prstGeom prst="rect">
-            <a:avLst/>
-          </a:prstGeom>
-          <a:noFill/>
-          <a:ln>
-            <a:noFill/>
-          </a:ln>
-        </p:spPr>
-        <p:txBody>
-          <a:bodyPr wrap="square">
-            <a:spAutoFit/>
-          </a:bodyPr>
-          <a:lstStyle/>
-          <a:p>
-            <a:pPr defTabSz="1501884" fontAlgn="auto">
-              <a:spcBef>
-                <a:spcPts val="0"/>
-              </a:spcBef>
-              <a:spcAft>
-                <a:spcPts val="0"/>
-              </a:spcAft>
-              <a:defRPr/>
-            </a:pPr>
-            <a:r>
-              <a:rPr lang="pt-PT" sz="9000" dirty="0" smtClean="0">
-                <a:ln>
-                  <a:solidFill>
-                    <a:srgbClr val="93BFEB"/>
-                  </a:solidFill>
-                </a:ln>
-                <a:solidFill>
-                  <a:srgbClr val="FFFFFF"/>
-                </a:solidFill>
-                <a:latin typeface="Arial" pitchFamily="34" charset="0"/>
-                <a:cs typeface="Arial" pitchFamily="34" charset="0"/>
-              </a:rPr>
-              <a:t>Ph</a:t>
-            </a:r>
-            <a:r>
-              <a:rPr lang="pt-PT" sz="9000" dirty="0" smtClean="0">
-                <a:ln>
-                  <a:solidFill>
-                    <a:srgbClr val="93BFEB"/>
-                  </a:solidFill>
-                </a:ln>
-                <a:solidFill>
-                  <a:srgbClr val="93BFEB"/>
-                </a:solidFill>
-                <a:latin typeface="Arial" pitchFamily="34" charset="0"/>
-                <a:cs typeface="Arial" pitchFamily="34" charset="0"/>
-              </a:rPr>
-              <a:t>D</a:t>
-            </a:r>
-            <a:endParaRPr lang="pt-PT" sz="9000" dirty="0">
-              <a:ln>
-                <a:solidFill>
-                  <a:srgbClr val="93BFEB"/>
-                </a:solidFill>
-              </a:ln>
-              <a:solidFill>
-                <a:srgbClr val="93BFEB"/>
-              </a:solidFill>
-              <a:latin typeface="Arial" pitchFamily="34" charset="0"/>
-              <a:cs typeface="Arial" pitchFamily="34" charset="0"/>
-            </a:endParaRPr>
-          </a:p>
-        </p:txBody>
-      </p:sp>
-      <p:pic>
-        <p:nvPicPr>
-          <p:cNvPr id="14" name="Imagem 13" descr="logo-FCUP.jpg"/>
-          <p:cNvPicPr>
-            <a:picLocks noChangeAspect="1"/>
-          </p:cNvPicPr>
-          <p:nvPr/>
-        </p:nvPicPr>
-        <p:blipFill>
-          <a:blip r:embed="rId2" cstate="print"/>
-          <a:srcRect l="9607"/>
-          <a:stretch>
-            <a:fillRect/>
-          </a:stretch>
-        </p:blipFill>
-        <p:spPr>
-          <a:xfrm>
-            <a:off x="3204567" y="9019108"/>
-            <a:ext cx="1296144" cy="848372"/>
-          </a:xfrm>
-          <a:prstGeom prst="rect">
-            <a:avLst/>
-          </a:prstGeom>
-        </p:spPr>
-      </p:pic>
-      <p:pic>
-        <p:nvPicPr>
-          <p:cNvPr id="13" name="Imagem 12" descr="logo-FCUP.jpg"/>
-          <p:cNvPicPr>
-            <a:picLocks noChangeAspect="1"/>
-          </p:cNvPicPr>
-          <p:nvPr/>
-        </p:nvPicPr>
-        <p:blipFill>
-          <a:blip r:embed="rId2" cstate="print"/>
-          <a:srcRect l="9607"/>
-          <a:stretch>
-            <a:fillRect/>
-          </a:stretch>
-        </p:blipFill>
-        <p:spPr>
-          <a:xfrm>
-            <a:off x="3996655" y="954212"/>
-            <a:ext cx="1080120" cy="706977"/>
-          </a:xfrm>
-          <a:prstGeom prst="rect">
-            <a:avLst/>
-          </a:prstGeom>
-        </p:spPr>
-      </p:pic>
-      <p:pic>
-        <p:nvPicPr>
-          <p:cNvPr id="15" name="Imagem 14" descr="LogoUA3p.JPG"/>
-          <p:cNvPicPr>
-            <a:picLocks noChangeAspect="1"/>
-          </p:cNvPicPr>
-          <p:nvPr/>
-        </p:nvPicPr>
-        <p:blipFill>
-          <a:blip r:embed="rId3" cstate="print"/>
-          <a:srcRect t="13908"/>
-          <a:stretch>
-            <a:fillRect/>
-          </a:stretch>
-        </p:blipFill>
-        <p:spPr>
-          <a:xfrm>
-            <a:off x="3060551" y="1026220"/>
-            <a:ext cx="907334" cy="432048"/>
-          </a:xfrm>
-          <a:prstGeom prst="rect">
-            <a:avLst/>
-          </a:prstGeom>
-        </p:spPr>
-      </p:pic>
-      <p:pic>
-        <p:nvPicPr>
-          <p:cNvPr id="17" name="Imagem 16" descr="LogoUM.jpg"/>
-          <p:cNvPicPr>
-            <a:picLocks noChangeAspect="1"/>
-          </p:cNvPicPr>
-          <p:nvPr/>
-        </p:nvPicPr>
-        <p:blipFill>
-          <a:blip r:embed="rId4" cstate="print"/>
-          <a:stretch>
-            <a:fillRect/>
-          </a:stretch>
-        </p:blipFill>
-        <p:spPr>
-          <a:xfrm>
-            <a:off x="2160754" y="1026220"/>
-            <a:ext cx="755781" cy="591697"/>
+            <a:off x="828303" y="162756"/>
+            <a:ext cx="5976656" cy="3942655"/>
           </a:xfrm>
           <a:prstGeom prst="rect">
             <a:avLst/>

--- a/CoverCDTitlePage/TitlePage.pptx
+++ b/CoverCDTitlePage/TitlePage.pptx
@@ -265,7 +265,7 @@
               <a:pPr>
                 <a:defRPr/>
               </a:pPr>
-              <a:t>13/12/2018</a:t>
+              <a:t>14/05/2019</a:t>
             </a:fld>
             <a:endParaRPr lang="pt-PT"/>
           </a:p>
@@ -781,7 +781,7 @@
               <a:pPr>
                 <a:defRPr/>
               </a:pPr>
-              <a:t>13/12/2018</a:t>
+              <a:t>14/05/2019</a:t>
             </a:fld>
             <a:endParaRPr lang="pt-PT"/>
           </a:p>
@@ -971,7 +971,7 @@
               <a:pPr>
                 <a:defRPr/>
               </a:pPr>
-              <a:t>13/12/2018</a:t>
+              <a:t>14/05/2019</a:t>
             </a:fld>
             <a:endParaRPr lang="pt-PT"/>
           </a:p>
@@ -1171,7 +1171,7 @@
               <a:pPr>
                 <a:defRPr/>
               </a:pPr>
-              <a:t>13/12/2018</a:t>
+              <a:t>14/05/2019</a:t>
             </a:fld>
             <a:endParaRPr lang="pt-PT"/>
           </a:p>
@@ -1361,7 +1361,7 @@
               <a:pPr>
                 <a:defRPr/>
               </a:pPr>
-              <a:t>13/12/2018</a:t>
+              <a:t>14/05/2019</a:t>
             </a:fld>
             <a:endParaRPr lang="pt-PT"/>
           </a:p>
@@ -1628,7 +1628,7 @@
               <a:pPr>
                 <a:defRPr/>
               </a:pPr>
-              <a:t>13/12/2018</a:t>
+              <a:t>14/05/2019</a:t>
             </a:fld>
             <a:endParaRPr lang="pt-PT"/>
           </a:p>
@@ -1935,7 +1935,7 @@
               <a:pPr>
                 <a:defRPr/>
               </a:pPr>
-              <a:t>13/12/2018</a:t>
+              <a:t>14/05/2019</a:t>
             </a:fld>
             <a:endParaRPr lang="pt-PT"/>
           </a:p>
@@ -2381,7 +2381,7 @@
               <a:pPr>
                 <a:defRPr/>
               </a:pPr>
-              <a:t>13/12/2018</a:t>
+              <a:t>14/05/2019</a:t>
             </a:fld>
             <a:endParaRPr lang="pt-PT"/>
           </a:p>
@@ -2520,7 +2520,7 @@
               <a:pPr>
                 <a:defRPr/>
               </a:pPr>
-              <a:t>13/12/2018</a:t>
+              <a:t>14/05/2019</a:t>
             </a:fld>
             <a:endParaRPr lang="pt-PT"/>
           </a:p>
@@ -2637,7 +2637,7 @@
               <a:pPr>
                 <a:defRPr/>
               </a:pPr>
-              <a:t>13/12/2018</a:t>
+              <a:t>14/05/2019</a:t>
             </a:fld>
             <a:endParaRPr lang="pt-PT"/>
           </a:p>
@@ -2934,7 +2934,7 @@
               <a:pPr>
                 <a:defRPr/>
               </a:pPr>
-              <a:t>13/12/2018</a:t>
+              <a:t>14/05/2019</a:t>
             </a:fld>
             <a:endParaRPr lang="pt-PT"/>
           </a:p>
@@ -3214,7 +3214,7 @@
               <a:pPr>
                 <a:defRPr/>
               </a:pPr>
-              <a:t>13/12/2018</a:t>
+              <a:t>14/05/2019</a:t>
             </a:fld>
             <a:endParaRPr lang="pt-PT"/>
           </a:p>
@@ -3470,7 +3470,7 @@
               <a:pPr>
                 <a:defRPr/>
               </a:pPr>
-              <a:t>13/12/2018</a:t>
+              <a:t>14/05/2019</a:t>
             </a:fld>
             <a:endParaRPr lang="pt-PT"/>
           </a:p>
@@ -4151,7 +4151,7 @@
         <p:spPr>
           <a:xfrm>
             <a:off x="585364" y="4102993"/>
-            <a:ext cx="5338857" cy="6386364"/>
+            <a:ext cx="5338857" cy="6017032"/>
           </a:xfrm>
           <a:prstGeom prst="rect">
             <a:avLst/>
@@ -4183,19 +4183,7 @@
           <a:p>
             <a:r>
               <a:rPr lang="pt-PT" sz="3600" b="1" dirty="0"/>
-              <a:t> </a:t>
-            </a:r>
-          </a:p>
-          <a:p>
-            <a:r>
-              <a:rPr lang="pt-PT" sz="3600" b="1" dirty="0"/>
               <a:t>based on</a:t>
-            </a:r>
-          </a:p>
-          <a:p>
-            <a:r>
-              <a:rPr lang="pt-PT" sz="3600" b="1" dirty="0"/>
-              <a:t> </a:t>
             </a:r>
           </a:p>
           <a:p>
@@ -4203,6 +4191,11 @@
               <a:rPr lang="pt-PT" sz="3600" b="1" dirty="0"/>
               <a:t>Reach Sets</a:t>
             </a:r>
+          </a:p>
+          <a:p>
+            <a:endParaRPr lang="pt-PT" sz="3600" b="1" dirty="0"/>
+          </a:p>
+          <a:p>
             <a:endParaRPr lang="pt-PT" sz="1200" dirty="0"/>
           </a:p>
           <a:p>
